--- a/Tareas/tarea 7 - expo 5 javascript bootstrap.pptx
+++ b/Tareas/tarea 7 - expo 5 javascript bootstrap.pptx
@@ -206,7 +206,7 @@
           <a:p>
             <a:fld id="{1F2692CA-5713-44D0-9D8A-ABA3C9489B4F}" type="datetimeFigureOut">
               <a:rPr lang="es-MX" smtClean="0"/>
-              <a:t>04/03/2015</a:t>
+              <a:t>18/03/2015</a:t>
             </a:fld>
             <a:endParaRPr lang="es-MX"/>
           </a:p>
@@ -647,7 +647,7 @@
           <a:p>
             <a:fld id="{9127F321-9DAE-42D5-BD67-D89F19DACCD9}" type="datetimeFigureOut">
               <a:rPr lang="es-MX" smtClean="0"/>
-              <a:t>04/03/2015</a:t>
+              <a:t>18/03/2015</a:t>
             </a:fld>
             <a:endParaRPr lang="es-MX"/>
           </a:p>
@@ -812,7 +812,7 @@
           <a:p>
             <a:fld id="{9127F321-9DAE-42D5-BD67-D89F19DACCD9}" type="datetimeFigureOut">
               <a:rPr lang="es-MX" smtClean="0"/>
-              <a:t>04/03/2015</a:t>
+              <a:t>18/03/2015</a:t>
             </a:fld>
             <a:endParaRPr lang="es-MX"/>
           </a:p>
@@ -987,7 +987,7 @@
           <a:p>
             <a:fld id="{9127F321-9DAE-42D5-BD67-D89F19DACCD9}" type="datetimeFigureOut">
               <a:rPr lang="es-MX" smtClean="0"/>
-              <a:t>04/03/2015</a:t>
+              <a:t>18/03/2015</a:t>
             </a:fld>
             <a:endParaRPr lang="es-MX"/>
           </a:p>
@@ -1152,7 +1152,7 @@
           <a:p>
             <a:fld id="{9127F321-9DAE-42D5-BD67-D89F19DACCD9}" type="datetimeFigureOut">
               <a:rPr lang="es-MX" smtClean="0"/>
-              <a:t>04/03/2015</a:t>
+              <a:t>18/03/2015</a:t>
             </a:fld>
             <a:endParaRPr lang="es-MX"/>
           </a:p>
@@ -1394,7 +1394,7 @@
           <a:p>
             <a:fld id="{9127F321-9DAE-42D5-BD67-D89F19DACCD9}" type="datetimeFigureOut">
               <a:rPr lang="es-MX" smtClean="0"/>
-              <a:t>04/03/2015</a:t>
+              <a:t>18/03/2015</a:t>
             </a:fld>
             <a:endParaRPr lang="es-MX"/>
           </a:p>
@@ -1658,7 +1658,7 @@
           <a:p>
             <a:fld id="{9127F321-9DAE-42D5-BD67-D89F19DACCD9}" type="datetimeFigureOut">
               <a:rPr lang="es-MX" smtClean="0"/>
-              <a:t>04/03/2015</a:t>
+              <a:t>18/03/2015</a:t>
             </a:fld>
             <a:endParaRPr lang="es-MX"/>
           </a:p>
@@ -2036,7 +2036,7 @@
           <a:p>
             <a:fld id="{9127F321-9DAE-42D5-BD67-D89F19DACCD9}" type="datetimeFigureOut">
               <a:rPr lang="es-MX" smtClean="0"/>
-              <a:t>04/03/2015</a:t>
+              <a:t>18/03/2015</a:t>
             </a:fld>
             <a:endParaRPr lang="es-MX"/>
           </a:p>
@@ -2186,7 +2186,7 @@
           <a:p>
             <a:fld id="{9127F321-9DAE-42D5-BD67-D89F19DACCD9}" type="datetimeFigureOut">
               <a:rPr lang="es-MX" smtClean="0"/>
-              <a:t>04/03/2015</a:t>
+              <a:t>18/03/2015</a:t>
             </a:fld>
             <a:endParaRPr lang="es-MX"/>
           </a:p>
@@ -2276,7 +2276,7 @@
           <a:p>
             <a:fld id="{9127F321-9DAE-42D5-BD67-D89F19DACCD9}" type="datetimeFigureOut">
               <a:rPr lang="es-MX" smtClean="0"/>
-              <a:t>04/03/2015</a:t>
+              <a:t>18/03/2015</a:t>
             </a:fld>
             <a:endParaRPr lang="es-MX"/>
           </a:p>
@@ -2537,7 +2537,7 @@
           <a:p>
             <a:fld id="{9127F321-9DAE-42D5-BD67-D89F19DACCD9}" type="datetimeFigureOut">
               <a:rPr lang="es-MX" smtClean="0"/>
-              <a:t>04/03/2015</a:t>
+              <a:t>18/03/2015</a:t>
             </a:fld>
             <a:endParaRPr lang="es-MX"/>
           </a:p>
@@ -2825,7 +2825,7 @@
           <a:p>
             <a:fld id="{9127F321-9DAE-42D5-BD67-D89F19DACCD9}" type="datetimeFigureOut">
               <a:rPr lang="es-MX" smtClean="0"/>
-              <a:t>04/03/2015</a:t>
+              <a:t>18/03/2015</a:t>
             </a:fld>
             <a:endParaRPr lang="es-MX"/>
           </a:p>
@@ -3596,7 +3596,7 @@
           <a:p>
             <a:fld id="{9127F321-9DAE-42D5-BD67-D89F19DACCD9}" type="datetimeFigureOut">
               <a:rPr lang="es-MX" smtClean="0"/>
-              <a:t>04/03/2015</a:t>
+              <a:t>18/03/2015</a:t>
             </a:fld>
             <a:endParaRPr lang="es-MX"/>
           </a:p>
@@ -4310,8 +4310,19 @@
                 <a:latin typeface="Calibri" pitchFamily="34" charset="0"/>
                 <a:cs typeface="Calibri" pitchFamily="34" charset="0"/>
               </a:rPr>
-              <a:t>Programación W</a:t>
-            </a:r>
+              <a:t>Programación </a:t>
+            </a:r>
+            <a:r>
+              <a:rPr lang="es-MX" sz="3200" dirty="0" smtClean="0">
+                <a:latin typeface="Calibri" pitchFamily="34" charset="0"/>
+                <a:cs typeface="Calibri" pitchFamily="34" charset="0"/>
+              </a:rPr>
+              <a:t>Web</a:t>
+            </a:r>
+            <a:endParaRPr lang="es-MX" sz="3200" dirty="0" smtClean="0">
+              <a:latin typeface="Calibri" pitchFamily="34" charset="0"/>
+              <a:cs typeface="Calibri" pitchFamily="34" charset="0"/>
+            </a:endParaRPr>
           </a:p>
           <a:p>
             <a:pPr algn="ctr"/>
@@ -4327,10 +4338,10 @@
                 <a:latin typeface="Calibri" pitchFamily="34" charset="0"/>
                 <a:cs typeface="Calibri" pitchFamily="34" charset="0"/>
               </a:rPr>
-              <a:t>JavaScript y   </a:t>
-            </a:r>
-            <a:r>
-              <a:rPr lang="es-MX" sz="3200" smtClean="0">
+              <a:t>JavaScript y </a:t>
+            </a:r>
+            <a:r>
+              <a:rPr lang="es-MX" sz="3200" dirty="0" err="1" smtClean="0">
                 <a:latin typeface="Calibri" pitchFamily="34" charset="0"/>
                 <a:cs typeface="Calibri" pitchFamily="34" charset="0"/>
               </a:rPr>
@@ -4619,7 +4630,15 @@
             </a:r>
             <a:r>
               <a:rPr lang="es-MX" dirty="0" smtClean="0"/>
-              <a:t> es un </a:t>
+              <a:t> es </a:t>
+            </a:r>
+            <a:r>
+              <a:rPr lang="es-MX" dirty="0" smtClean="0"/>
+              <a:t>el</a:t>
+            </a:r>
+            <a:r>
+              <a:rPr lang="es-MX" dirty="0" smtClean="0"/>
+              <a:t> </a:t>
             </a:r>
             <a:r>
               <a:rPr lang="es-MX" dirty="0" err="1" smtClean="0"/>
@@ -4635,19 +4654,15 @@
             </a:r>
             <a:r>
               <a:rPr lang="es-MX" dirty="0" smtClean="0"/>
-              <a:t>y JS.</a:t>
-            </a:r>
-            <a:endParaRPr lang="es-MX" dirty="0"/>
-          </a:p>
-          <a:p>
-            <a:pPr algn="just"/>
-            <a:endParaRPr lang="es-MX" dirty="0" smtClean="0"/>
-          </a:p>
-          <a:p>
-            <a:pPr algn="just"/>
-            <a:r>
-              <a:rPr lang="es-MX" dirty="0"/>
-              <a:t>Diseñado para todos, </a:t>
+              <a:t>y </a:t>
+            </a:r>
+            <a:r>
+              <a:rPr lang="es-MX" dirty="0" smtClean="0"/>
+              <a:t>JS, bajo su lema «Diseñado </a:t>
+            </a:r>
+            <a:r>
+              <a:rPr lang="es-MX" dirty="0"/>
+              <a:t>para todos, </a:t>
             </a:r>
             <a:r>
               <a:rPr lang="es-MX" dirty="0" smtClean="0"/>
@@ -4655,8 +4670,16 @@
             </a:r>
             <a:r>
               <a:rPr lang="es-MX" dirty="0"/>
-              <a:t>todas partes.</a:t>
-            </a:r>
+              <a:t>todas </a:t>
+            </a:r>
+            <a:r>
+              <a:rPr lang="es-MX" dirty="0" smtClean="0"/>
+              <a:t>partes».</a:t>
+            </a:r>
+          </a:p>
+          <a:p>
+            <a:pPr algn="just"/>
+            <a:endParaRPr lang="es-MX" dirty="0"/>
           </a:p>
           <a:p>
             <a:pPr algn="just"/>
@@ -5021,7 +5044,11 @@
             </a:r>
             <a:r>
               <a:rPr lang="es-MX" dirty="0" smtClean="0"/>
-              <a:t>diseñar sus </a:t>
+              <a:t>permite diseñar </a:t>
+            </a:r>
+            <a:r>
+              <a:rPr lang="es-MX" dirty="0" smtClean="0"/>
+              <a:t>sus </a:t>
             </a:r>
             <a:r>
               <a:rPr lang="es-MX" dirty="0"/>
@@ -5468,7 +5495,15 @@
             <a:pPr algn="just"/>
             <a:r>
               <a:rPr lang="es-MX" dirty="0"/>
-              <a:t>El uso de un lenguaje menos de estilos permite el uso de variables, funciones y operadores, selectores anidados, así como los llamados </a:t>
+              <a:t>El uso de un lenguaje </a:t>
+            </a:r>
+            <a:r>
+              <a:rPr lang="es-MX" dirty="0" smtClean="0"/>
+              <a:t>d estilos menos permite </a:t>
+            </a:r>
+            <a:r>
+              <a:rPr lang="es-MX" dirty="0"/>
+              <a:t>el uso de variables, funciones y operadores, selectores anidados, así como los llamados </a:t>
             </a:r>
             <a:r>
               <a:rPr lang="es-MX" dirty="0" err="1"/>
@@ -7411,7 +7446,6 @@
               <a:rPr lang="es-MX" dirty="0"/>
               <a:t>al menos tres formas para incluir código JavaScript en las páginas web.</a:t>
             </a:r>
-            <a:endParaRPr lang="es-MX" dirty="0"/>
           </a:p>
         </p:txBody>
       </p:sp>
@@ -7722,15 +7756,7 @@
             <a:pPr algn="just"/>
             <a:r>
               <a:rPr lang="es-MX" dirty="0"/>
-              <a:t>El código JavaScript se encierra entre etiquetas </a:t>
-            </a:r>
-            <a:r>
-              <a:rPr lang="es-MX" dirty="0"/>
-              <a:t>&lt;script&gt;</a:t>
-            </a:r>
-            <a:r>
-              <a:rPr lang="es-MX" dirty="0"/>
-              <a:t> y se incluye en cualquier parte del documento</a:t>
+              <a:t>El código JavaScript se encierra entre etiquetas &lt;script&gt; y se incluye en cualquier parte del documento</a:t>
             </a:r>
             <a:r>
               <a:rPr lang="es-MX" dirty="0" smtClean="0"/>
@@ -7738,11 +7764,7 @@
             </a:r>
             <a:r>
               <a:rPr lang="es-MX" dirty="0"/>
-              <a:t> </a:t>
-            </a:r>
-            <a:r>
-              <a:rPr lang="es-MX" dirty="0"/>
-              <a:t>S</a:t>
+              <a:t> S</a:t>
             </a:r>
             <a:r>
               <a:rPr lang="es-MX" dirty="0" smtClean="0"/>
@@ -7750,11 +7772,7 @@
             </a:r>
             <a:r>
               <a:rPr lang="es-MX" dirty="0"/>
-              <a:t>recomienda definir el código JavaScript dentro de la cabecera del documento (dentro de la etiqueta</a:t>
-            </a:r>
-            <a:r>
-              <a:rPr lang="es-MX" dirty="0"/>
-              <a:t>&lt;head</a:t>
+              <a:t>recomienda definir el código JavaScript dentro de la cabecera del documento (dentro de la etiqueta&lt;head</a:t>
             </a:r>
             <a:r>
               <a:rPr lang="es-MX" dirty="0" smtClean="0"/>
@@ -8075,15 +8093,7 @@
             <a:pPr algn="just"/>
             <a:r>
               <a:rPr lang="es-MX" dirty="0"/>
-              <a:t>Las instrucciones JavaScript se pueden incluir en un archivo externo de tipo JavaScript que los documentos XHTML enlazan mediante la etiqueta </a:t>
-            </a:r>
-            <a:r>
-              <a:rPr lang="es-MX" dirty="0"/>
-              <a:t>&lt;script&gt;</a:t>
-            </a:r>
-            <a:r>
-              <a:rPr lang="es-MX" dirty="0"/>
-              <a:t>. Se pueden crear todos los archivos JavaScript que sean necesarios y cada documento XHTML puede enlazar tantos archivos JavaScript como necesite.</a:t>
+              <a:t>Las instrucciones JavaScript se pueden incluir en un archivo externo de tipo JavaScript que los documentos XHTML enlazan mediante la etiqueta &lt;script&gt;. Se pueden crear todos los archivos JavaScript que sean necesarios y cada documento XHTML puede enlazar tantos archivos JavaScript como necesite.</a:t>
             </a:r>
           </a:p>
         </p:txBody>
@@ -8422,7 +8432,6 @@
               <a:rPr lang="es-MX" dirty="0"/>
               <a:t> innecesariamente el código XHTML de la página y complica el mantenimiento del código JavaScript. </a:t>
             </a:r>
-            <a:endParaRPr lang="es-MX" dirty="0"/>
           </a:p>
         </p:txBody>
       </p:sp>
@@ -8938,13 +8947,8 @@
             </a:r>
             <a:r>
               <a:rPr lang="es-MX" dirty="0"/>
-              <a:t>.</a:t>
-            </a:r>
-            <a:r>
-              <a:rPr lang="es-MX" dirty="0"/>
-              <a:t> </a:t>
-            </a:r>
-            <a:endParaRPr lang="es-MX" dirty="0"/>
+              <a:t>. </a:t>
+            </a:r>
           </a:p>
         </p:txBody>
       </p:sp>
@@ -9234,7 +9238,6 @@
               <a:rPr lang="es-MX" dirty="0"/>
               <a:t>: los comentarios se utilizan para añadir información en el código fuente del programa. </a:t>
             </a:r>
-            <a:endParaRPr lang="es-MX" dirty="0"/>
           </a:p>
         </p:txBody>
       </p:sp>
